--- a/schematic.pptx
+++ b/schematic.pptx
@@ -107,6 +107,11 @@
       </a:defRPr>
     </a:lvl9pPr>
   </p:defaultTextStyle>
+  <p:extLst>
+    <p:ext uri="{EFAFB233-063F-42B5-8137-9DF3F51BA10A}">
+      <p15:sldGuideLst xmlns:p15="http://schemas.microsoft.com/office/powerpoint/2012/main"/>
+    </p:ext>
+  </p:extLst>
 </p:presentation>
 </file>
 
@@ -192,7 +197,7 @@
           <a:p>
             <a:fld id="{D6812FE6-ED0A-DA4E-8072-052125F35957}" type="datetimeFigureOut">
               <a:rPr lang="en-GB" smtClean="0"/>
-              <a:t>16/04/2020</a:t>
+              <a:t>22/04/2020</a:t>
             </a:fld>
             <a:endParaRPr lang="en-GB"/>
           </a:p>
@@ -693,7 +698,7 @@
           <a:p>
             <a:fld id="{ECF818F1-D049-3B40-BBDE-1C1FE885FB65}" type="datetimeFigureOut">
               <a:rPr lang="en-GB" smtClean="0"/>
-              <a:t>16/04/2020</a:t>
+              <a:t>22/04/2020</a:t>
             </a:fld>
             <a:endParaRPr lang="en-GB"/>
           </a:p>
@@ -893,7 +898,7 @@
           <a:p>
             <a:fld id="{ECF818F1-D049-3B40-BBDE-1C1FE885FB65}" type="datetimeFigureOut">
               <a:rPr lang="en-GB" smtClean="0"/>
-              <a:t>16/04/2020</a:t>
+              <a:t>22/04/2020</a:t>
             </a:fld>
             <a:endParaRPr lang="en-GB"/>
           </a:p>
@@ -1103,7 +1108,7 @@
           <a:p>
             <a:fld id="{ECF818F1-D049-3B40-BBDE-1C1FE885FB65}" type="datetimeFigureOut">
               <a:rPr lang="en-GB" smtClean="0"/>
-              <a:t>16/04/2020</a:t>
+              <a:t>22/04/2020</a:t>
             </a:fld>
             <a:endParaRPr lang="en-GB"/>
           </a:p>
@@ -1303,7 +1308,7 @@
           <a:p>
             <a:fld id="{ECF818F1-D049-3B40-BBDE-1C1FE885FB65}" type="datetimeFigureOut">
               <a:rPr lang="en-GB" smtClean="0"/>
-              <a:t>16/04/2020</a:t>
+              <a:t>22/04/2020</a:t>
             </a:fld>
             <a:endParaRPr lang="en-GB"/>
           </a:p>
@@ -1579,7 +1584,7 @@
           <a:p>
             <a:fld id="{ECF818F1-D049-3B40-BBDE-1C1FE885FB65}" type="datetimeFigureOut">
               <a:rPr lang="en-GB" smtClean="0"/>
-              <a:t>16/04/2020</a:t>
+              <a:t>22/04/2020</a:t>
             </a:fld>
             <a:endParaRPr lang="en-GB"/>
           </a:p>
@@ -1847,7 +1852,7 @@
           <a:p>
             <a:fld id="{ECF818F1-D049-3B40-BBDE-1C1FE885FB65}" type="datetimeFigureOut">
               <a:rPr lang="en-GB" smtClean="0"/>
-              <a:t>16/04/2020</a:t>
+              <a:t>22/04/2020</a:t>
             </a:fld>
             <a:endParaRPr lang="en-GB"/>
           </a:p>
@@ -2262,7 +2267,7 @@
           <a:p>
             <a:fld id="{ECF818F1-D049-3B40-BBDE-1C1FE885FB65}" type="datetimeFigureOut">
               <a:rPr lang="en-GB" smtClean="0"/>
-              <a:t>16/04/2020</a:t>
+              <a:t>22/04/2020</a:t>
             </a:fld>
             <a:endParaRPr lang="en-GB"/>
           </a:p>
@@ -2404,7 +2409,7 @@
           <a:p>
             <a:fld id="{ECF818F1-D049-3B40-BBDE-1C1FE885FB65}" type="datetimeFigureOut">
               <a:rPr lang="en-GB" smtClean="0"/>
-              <a:t>16/04/2020</a:t>
+              <a:t>22/04/2020</a:t>
             </a:fld>
             <a:endParaRPr lang="en-GB"/>
           </a:p>
@@ -2517,7 +2522,7 @@
           <a:p>
             <a:fld id="{ECF818F1-D049-3B40-BBDE-1C1FE885FB65}" type="datetimeFigureOut">
               <a:rPr lang="en-GB" smtClean="0"/>
-              <a:t>16/04/2020</a:t>
+              <a:t>22/04/2020</a:t>
             </a:fld>
             <a:endParaRPr lang="en-GB"/>
           </a:p>
@@ -2830,7 +2835,7 @@
           <a:p>
             <a:fld id="{ECF818F1-D049-3B40-BBDE-1C1FE885FB65}" type="datetimeFigureOut">
               <a:rPr lang="en-GB" smtClean="0"/>
-              <a:t>16/04/2020</a:t>
+              <a:t>22/04/2020</a:t>
             </a:fld>
             <a:endParaRPr lang="en-GB"/>
           </a:p>
@@ -3119,7 +3124,7 @@
           <a:p>
             <a:fld id="{ECF818F1-D049-3B40-BBDE-1C1FE885FB65}" type="datetimeFigureOut">
               <a:rPr lang="en-GB" smtClean="0"/>
-              <a:t>16/04/2020</a:t>
+              <a:t>22/04/2020</a:t>
             </a:fld>
             <a:endParaRPr lang="en-GB"/>
           </a:p>
@@ -3362,7 +3367,7 @@
           <a:p>
             <a:fld id="{ECF818F1-D049-3B40-BBDE-1C1FE885FB65}" type="datetimeFigureOut">
               <a:rPr lang="en-GB" smtClean="0"/>
-              <a:t>16/04/2020</a:t>
+              <a:t>22/04/2020</a:t>
             </a:fld>
             <a:endParaRPr lang="en-GB"/>
           </a:p>
@@ -3823,8 +3828,8 @@
         </p:nvSpPr>
         <p:spPr>
           <a:xfrm>
-            <a:off x="156273" y="2188101"/>
-            <a:ext cx="10970906" cy="3971084"/>
+            <a:off x="83976" y="2188101"/>
+            <a:ext cx="11995729" cy="3971084"/>
           </a:xfrm>
           <a:prstGeom prst="rect">
             <a:avLst/>
@@ -3887,8 +3892,8 @@
         </p:nvSpPr>
         <p:spPr>
           <a:xfrm>
-            <a:off x="8713251" y="3720810"/>
-            <a:ext cx="2413928" cy="2433449"/>
+            <a:off x="9883979" y="3973812"/>
+            <a:ext cx="2195726" cy="2185373"/>
           </a:xfrm>
           <a:prstGeom prst="rect">
             <a:avLst/>
@@ -3942,8 +3947,8 @@
         </p:nvSpPr>
         <p:spPr>
           <a:xfrm>
-            <a:off x="8731216" y="3734785"/>
-            <a:ext cx="2454763" cy="2492468"/>
+            <a:off x="9896721" y="3986812"/>
+            <a:ext cx="2268293" cy="2490887"/>
           </a:xfrm>
           <a:prstGeom prst="rect">
             <a:avLst/>
@@ -3994,7 +3999,7 @@
         </p:nvSpPr>
         <p:spPr>
           <a:xfrm>
-            <a:off x="229349" y="431986"/>
+            <a:off x="229349" y="603999"/>
             <a:ext cx="1572154" cy="669997"/>
           </a:xfrm>
           <a:prstGeom prst="rect">
@@ -4094,7 +4099,7 @@
         </p:nvSpPr>
         <p:spPr>
           <a:xfrm>
-            <a:off x="229349" y="1242432"/>
+            <a:off x="229349" y="1414445"/>
             <a:ext cx="1572154" cy="493732"/>
           </a:xfrm>
           <a:prstGeom prst="rect">
@@ -4166,7 +4171,7 @@
         </p:nvSpPr>
         <p:spPr>
           <a:xfrm>
-            <a:off x="2888729" y="563290"/>
+            <a:off x="2888729" y="735303"/>
             <a:ext cx="2931303" cy="1021045"/>
           </a:xfrm>
           <a:prstGeom prst="rect">
@@ -4294,7 +4299,7 @@
         </p:nvSpPr>
         <p:spPr>
           <a:xfrm>
-            <a:off x="192262" y="2573422"/>
+            <a:off x="126945" y="2573423"/>
             <a:ext cx="4240414" cy="1336632"/>
           </a:xfrm>
           <a:prstGeom prst="rect">
@@ -4348,7 +4353,7 @@
                   <a:srgbClr val="00B050"/>
                 </a:solidFill>
               </a:rPr>
-              <a:t>get_continuous_readout</a:t>
+              <a:t>EventAcquisition.get_continuous_readout</a:t>
             </a:r>
             <a:endParaRPr lang="en-GB" sz="800" dirty="0">
               <a:solidFill>
@@ -4381,7 +4386,7 @@
         </p:nvCxnSpPr>
         <p:spPr>
           <a:xfrm>
-            <a:off x="5815480" y="945618"/>
+            <a:off x="5815480" y="1117631"/>
             <a:ext cx="1525257" cy="0"/>
           </a:xfrm>
           <a:prstGeom prst="straightConnector1">
@@ -4420,7 +4425,7 @@
         </p:nvSpPr>
         <p:spPr>
           <a:xfrm>
-            <a:off x="5756881" y="711465"/>
+            <a:off x="5756881" y="883478"/>
             <a:ext cx="1540037" cy="276999"/>
           </a:xfrm>
           <a:prstGeom prst="rect">
@@ -4463,7 +4468,7 @@
         </p:nvSpPr>
         <p:spPr>
           <a:xfrm>
-            <a:off x="1761714" y="711465"/>
+            <a:off x="1761714" y="883478"/>
             <a:ext cx="1101712" cy="276999"/>
           </a:xfrm>
           <a:prstGeom prst="rect">
@@ -4504,7 +4509,7 @@
         </p:nvCxnSpPr>
         <p:spPr>
           <a:xfrm>
-            <a:off x="1801503" y="945618"/>
+            <a:off x="1801503" y="1117631"/>
             <a:ext cx="1107383" cy="0"/>
           </a:xfrm>
           <a:prstGeom prst="straightConnector1">
@@ -4543,7 +4548,7 @@
         </p:nvSpPr>
         <p:spPr>
           <a:xfrm>
-            <a:off x="1750320" y="1151944"/>
+            <a:off x="1750320" y="1323957"/>
             <a:ext cx="987899" cy="276999"/>
           </a:xfrm>
           <a:prstGeom prst="rect">
@@ -4584,7 +4589,7 @@
         </p:nvCxnSpPr>
         <p:spPr>
           <a:xfrm>
-            <a:off x="1801503" y="1371725"/>
+            <a:off x="1801503" y="1543738"/>
             <a:ext cx="1107383" cy="0"/>
           </a:xfrm>
           <a:prstGeom prst="straightConnector1">
@@ -4623,7 +4628,7 @@
         </p:nvSpPr>
         <p:spPr>
           <a:xfrm>
-            <a:off x="5769689" y="1151944"/>
+            <a:off x="5769689" y="1323957"/>
             <a:ext cx="1426224" cy="276999"/>
           </a:xfrm>
           <a:prstGeom prst="rect">
@@ -4668,7 +4673,7 @@
         </p:nvCxnSpPr>
         <p:spPr>
           <a:xfrm>
-            <a:off x="5815480" y="1376219"/>
+            <a:off x="5815480" y="1548232"/>
             <a:ext cx="1529664" cy="0"/>
           </a:xfrm>
           <a:prstGeom prst="straightConnector1">
@@ -4707,7 +4712,7 @@
         </p:nvSpPr>
         <p:spPr>
           <a:xfrm>
-            <a:off x="7336665" y="690279"/>
+            <a:off x="7336665" y="862292"/>
             <a:ext cx="356992" cy="923330"/>
           </a:xfrm>
           <a:prstGeom prst="rect">
@@ -4752,7 +4757,7 @@
         </p:nvSpPr>
         <p:spPr>
           <a:xfrm>
-            <a:off x="8069232" y="1088391"/>
+            <a:off x="8069232" y="1260404"/>
             <a:ext cx="1636730" cy="369332"/>
           </a:xfrm>
           <a:prstGeom prst="rect">
@@ -4791,7 +4796,7 @@
         </p:nvSpPr>
         <p:spPr>
           <a:xfrm>
-            <a:off x="156755" y="1"/>
+            <a:off x="156755" y="172014"/>
             <a:ext cx="9549207" cy="1828800"/>
           </a:xfrm>
           <a:prstGeom prst="rect">
@@ -4944,7 +4949,7 @@
         </p:nvSpPr>
         <p:spPr>
           <a:xfrm>
-            <a:off x="1547254" y="3097448"/>
+            <a:off x="1481937" y="3097449"/>
             <a:ext cx="1468733" cy="669997"/>
           </a:xfrm>
           <a:prstGeom prst="rect">
@@ -5119,7 +5124,7 @@
         </p:nvSpPr>
         <p:spPr>
           <a:xfrm>
-            <a:off x="210459" y="3101822"/>
+            <a:off x="145142" y="3101823"/>
             <a:ext cx="1305285" cy="343202"/>
           </a:xfrm>
           <a:prstGeom prst="rect">
@@ -5182,7 +5187,7 @@
         </p:nvSpPr>
         <p:spPr>
           <a:xfrm>
-            <a:off x="3047495" y="3092221"/>
+            <a:off x="2982178" y="3092222"/>
             <a:ext cx="1353406" cy="669997"/>
           </a:xfrm>
           <a:prstGeom prst="rect">
@@ -5270,7 +5275,7 @@
         </p:nvCxnSpPr>
         <p:spPr>
           <a:xfrm>
-            <a:off x="4432676" y="3052331"/>
+            <a:off x="4367359" y="3504719"/>
             <a:ext cx="746265" cy="0"/>
           </a:xfrm>
           <a:prstGeom prst="straightConnector1">
@@ -5309,7 +5314,7 @@
         </p:nvSpPr>
         <p:spPr>
           <a:xfrm>
-            <a:off x="4374774" y="2620842"/>
+            <a:off x="4288094" y="3071756"/>
             <a:ext cx="1033595" cy="461665"/>
           </a:xfrm>
           <a:prstGeom prst="rect">
@@ -5383,8 +5388,8 @@
         </p:nvSpPr>
         <p:spPr>
           <a:xfrm>
-            <a:off x="5199489" y="2302425"/>
-            <a:ext cx="2075963" cy="1336632"/>
+            <a:off x="5199489" y="2514179"/>
+            <a:ext cx="3166934" cy="1336632"/>
           </a:xfrm>
           <a:prstGeom prst="rect">
             <a:avLst/>
@@ -5437,7 +5442,7 @@
                   <a:srgbClr val="00B050"/>
                 </a:solidFill>
               </a:rPr>
-              <a:t>get_superpixel_digital_trigger_line</a:t>
+              <a:t>NNSuperpixelAboveThreshold.get_superpixel_digital_trigger_line</a:t>
             </a:r>
             <a:endParaRPr lang="en-GB" sz="800" dirty="0">
               <a:solidFill>
@@ -5461,7 +5466,7 @@
         </p:nvSpPr>
         <p:spPr>
           <a:xfrm>
-            <a:off x="5257391" y="2770230"/>
+            <a:off x="5268993" y="2972548"/>
             <a:ext cx="1944396" cy="819047"/>
           </a:xfrm>
           <a:prstGeom prst="rect">
@@ -5609,8 +5614,8 @@
         </p:nvCxnSpPr>
         <p:spPr>
           <a:xfrm flipV="1">
-            <a:off x="7272413" y="2765552"/>
-            <a:ext cx="1135473" cy="14952"/>
+            <a:off x="8386971" y="2977306"/>
+            <a:ext cx="839064" cy="4678"/>
           </a:xfrm>
           <a:prstGeom prst="straightConnector1">
             <a:avLst/>
@@ -5648,8 +5653,8 @@
         </p:nvSpPr>
         <p:spPr>
           <a:xfrm>
-            <a:off x="7232766" y="2310632"/>
-            <a:ext cx="1303531" cy="461665"/>
+            <a:off x="8353613" y="2663944"/>
+            <a:ext cx="1057469" cy="338554"/>
           </a:xfrm>
           <a:prstGeom prst="rect">
             <a:avLst/>
@@ -5663,7 +5668,7 @@
           <a:lstStyle/>
           <a:p>
             <a:r>
-              <a:rPr lang="en-GB" sz="1200" dirty="0">
+              <a:rPr lang="en-GB" sz="800" dirty="0">
                 <a:solidFill>
                   <a:srgbClr val="00B050"/>
                 </a:solidFill>
@@ -5687,7 +5692,7 @@
         </p:nvSpPr>
         <p:spPr>
           <a:xfrm>
-            <a:off x="8407886" y="2275007"/>
+            <a:off x="9226035" y="2486761"/>
             <a:ext cx="2632796" cy="1336632"/>
           </a:xfrm>
           <a:prstGeom prst="rect">
@@ -5741,7 +5746,7 @@
                   <a:srgbClr val="00B050"/>
                 </a:solidFill>
               </a:rPr>
-              <a:t>get_backplane_trigger</a:t>
+              <a:t>NNSuperpixelAboveThreshold.get_backplane_trigger</a:t>
             </a:r>
             <a:endParaRPr lang="en-GB" sz="800" dirty="0">
               <a:solidFill>
@@ -5765,7 +5770,7 @@
         </p:nvSpPr>
         <p:spPr>
           <a:xfrm>
-            <a:off x="8465787" y="2742812"/>
+            <a:off x="9283936" y="2954566"/>
             <a:ext cx="2482427" cy="819047"/>
           </a:xfrm>
           <a:prstGeom prst="rect">
@@ -5897,8 +5902,8 @@
         </p:nvCxnSpPr>
         <p:spPr>
           <a:xfrm flipH="1">
-            <a:off x="8484653" y="3637423"/>
-            <a:ext cx="2" cy="466108"/>
+            <a:off x="9377793" y="3791595"/>
+            <a:ext cx="10963" cy="646671"/>
           </a:xfrm>
           <a:prstGeom prst="straightConnector1">
             <a:avLst/>
@@ -5936,7 +5941,7 @@
         </p:nvSpPr>
         <p:spPr>
           <a:xfrm>
-            <a:off x="7326735" y="3658967"/>
+            <a:off x="8206331" y="3948182"/>
             <a:ext cx="1418518" cy="461665"/>
           </a:xfrm>
           <a:prstGeom prst="rect">
@@ -5977,8 +5982,8 @@
         </p:nvCxnSpPr>
         <p:spPr>
           <a:xfrm>
-            <a:off x="4911295" y="3063545"/>
-            <a:ext cx="0" cy="1057087"/>
+            <a:off x="4911295" y="3504719"/>
+            <a:ext cx="0" cy="933547"/>
           </a:xfrm>
           <a:prstGeom prst="straightConnector1">
             <a:avLst/>
@@ -6016,8 +6021,8 @@
         </p:nvSpPr>
         <p:spPr>
           <a:xfrm>
-            <a:off x="4576511" y="4108001"/>
-            <a:ext cx="4026374" cy="1599520"/>
+            <a:off x="4341124" y="4425635"/>
+            <a:ext cx="5231633" cy="1599520"/>
           </a:xfrm>
           <a:prstGeom prst="rect">
             <a:avLst/>
@@ -6070,7 +6075,7 @@
                   <a:srgbClr val="00B050"/>
                 </a:solidFill>
               </a:rPr>
-              <a:t>get_sampled_waveform</a:t>
+              <a:t>EventAcquisition.get_sampled_waveform</a:t>
             </a:r>
             <a:endParaRPr lang="en-GB" sz="800" dirty="0">
               <a:solidFill>
@@ -6094,7 +6099,7 @@
         </p:nvSpPr>
         <p:spPr>
           <a:xfrm>
-            <a:off x="4693796" y="4601768"/>
+            <a:off x="4458410" y="4919402"/>
             <a:ext cx="2482427" cy="1027835"/>
           </a:xfrm>
           <a:prstGeom prst="rect">
@@ -6254,8 +6259,8 @@
         </p:nvCxnSpPr>
         <p:spPr>
           <a:xfrm>
-            <a:off x="8602885" y="4780368"/>
-            <a:ext cx="914741" cy="0"/>
+            <a:off x="9572757" y="4792797"/>
+            <a:ext cx="856519" cy="0"/>
           </a:xfrm>
           <a:prstGeom prst="straightConnector1">
             <a:avLst/>
@@ -6293,7 +6298,7 @@
         </p:nvSpPr>
         <p:spPr>
           <a:xfrm>
-            <a:off x="8654450" y="4503369"/>
+            <a:off x="9540394" y="4540571"/>
             <a:ext cx="1055172" cy="276999"/>
           </a:xfrm>
           <a:prstGeom prst="rect">
@@ -6334,8 +6339,8 @@
         </p:nvCxnSpPr>
         <p:spPr>
           <a:xfrm>
-            <a:off x="8501412" y="3976960"/>
-            <a:ext cx="1016214" cy="0"/>
+            <a:off x="9377793" y="4194575"/>
+            <a:ext cx="1051483" cy="0"/>
           </a:xfrm>
           <a:prstGeom prst="straightConnector1">
             <a:avLst/>
@@ -6373,8 +6378,8 @@
         </p:nvSpPr>
         <p:spPr>
           <a:xfrm>
-            <a:off x="9517626" y="3840275"/>
-            <a:ext cx="1959092" cy="510395"/>
+            <a:off x="10429490" y="4017065"/>
+            <a:ext cx="1701449" cy="345996"/>
           </a:xfrm>
           <a:prstGeom prst="rect">
             <a:avLst/>
@@ -6408,7 +6413,7 @@
           <a:p>
             <a:pPr algn="ctr"/>
             <a:r>
-              <a:rPr lang="en-GB" dirty="0"/>
+              <a:rPr lang="en-GB" sz="1600" dirty="0"/>
               <a:t>Trigger Efficiency</a:t>
             </a:r>
           </a:p>
@@ -6428,8 +6433,8 @@
         </p:nvSpPr>
         <p:spPr>
           <a:xfrm>
-            <a:off x="9517626" y="4545160"/>
-            <a:ext cx="1934112" cy="500076"/>
+            <a:off x="10433762" y="4622938"/>
+            <a:ext cx="1697177" cy="329868"/>
           </a:xfrm>
           <a:prstGeom prst="rect">
             <a:avLst/>
@@ -6463,7 +6468,7 @@
           <a:p>
             <a:pPr algn="ctr"/>
             <a:r>
-              <a:rPr lang="en-GB" dirty="0"/>
+              <a:rPr lang="en-GB" sz="1600" dirty="0"/>
               <a:t>Charge Resolution</a:t>
             </a:r>
           </a:p>
@@ -6486,8 +6491,8 @@
         </p:nvCxnSpPr>
         <p:spPr>
           <a:xfrm>
-            <a:off x="7693657" y="1151944"/>
-            <a:ext cx="388500" cy="1037738"/>
+            <a:off x="7693657" y="1323957"/>
+            <a:ext cx="385517" cy="864144"/>
           </a:xfrm>
           <a:prstGeom prst="bentConnector2">
             <a:avLst/>
@@ -6525,8 +6530,8 @@
         </p:nvSpPr>
         <p:spPr>
           <a:xfrm>
-            <a:off x="7451064" y="4139577"/>
-            <a:ext cx="1262187" cy="323165"/>
+            <a:off x="7970946" y="4467123"/>
+            <a:ext cx="1692926" cy="415498"/>
           </a:xfrm>
           <a:prstGeom prst="rect">
             <a:avLst/>
@@ -6540,9 +6545,73 @@
           <a:lstStyle/>
           <a:p>
             <a:r>
-              <a:rPr lang="en-GB" sz="500" dirty="0"/>
+              <a:rPr lang="en-GB" sz="700" dirty="0"/>
               <a:t>Trigger times can instead be manually defined, if the trigger logic is not needed (e.g. Charge resolution investigation)</a:t>
             </a:r>
+          </a:p>
+        </p:txBody>
+      </p:sp>
+      <p:sp>
+        <p:nvSpPr>
+          <p:cNvPr id="51" name="Rectangle 50">
+            <a:extLst>
+              <a:ext uri="{FF2B5EF4-FFF2-40B4-BE49-F238E27FC236}">
+                <a16:creationId xmlns:a16="http://schemas.microsoft.com/office/drawing/2014/main" id="{ACDF7FD7-CBF9-564C-8AD8-97F25E7A85F5}"/>
+              </a:ext>
+            </a:extLst>
+          </p:cNvPr>
+          <p:cNvSpPr/>
+          <p:nvPr/>
+        </p:nvSpPr>
+        <p:spPr>
+          <a:xfrm>
+            <a:off x="5101389" y="2245431"/>
+            <a:ext cx="6882064" cy="1684052"/>
+          </a:xfrm>
+          <a:prstGeom prst="rect">
+            <a:avLst/>
+          </a:prstGeom>
+          <a:noFill/>
+          <a:ln>
+            <a:solidFill>
+              <a:srgbClr val="92D050"/>
+            </a:solidFill>
+            <a:prstDash val="dash"/>
+          </a:ln>
+        </p:spPr>
+        <p:style>
+          <a:lnRef idx="2">
+            <a:schemeClr val="accent1">
+              <a:shade val="50000"/>
+            </a:schemeClr>
+          </a:lnRef>
+          <a:fillRef idx="1">
+            <a:schemeClr val="accent1"/>
+          </a:fillRef>
+          <a:effectRef idx="0">
+            <a:schemeClr val="accent1"/>
+          </a:effectRef>
+          <a:fontRef idx="minor">
+            <a:schemeClr val="lt1"/>
+          </a:fontRef>
+        </p:style>
+        <p:txBody>
+          <a:bodyPr rtlCol="0" anchor="t"/>
+          <a:lstStyle/>
+          <a:p>
+            <a:r>
+              <a:rPr lang="en-GB" sz="1100" dirty="0" err="1">
+                <a:solidFill>
+                  <a:srgbClr val="00B050"/>
+                </a:solidFill>
+              </a:rPr>
+              <a:t>EventAcquisition.get_trigger</a:t>
+            </a:r>
+            <a:endParaRPr lang="en-GB" sz="1100" dirty="0">
+              <a:solidFill>
+                <a:srgbClr val="00B050"/>
+              </a:solidFill>
+            </a:endParaRPr>
           </a:p>
         </p:txBody>
       </p:sp>
